--- a/Курсовая работа.pptx
+++ b/Курсовая работа.pptx
@@ -110,6 +110,11 @@
       </a:defRPr>
     </a:lvl9pPr>
   </p:defaultTextStyle>
+  <p:extLst>
+    <p:ext uri="{EFAFB233-063F-42B5-8137-9DF3F51BA10A}">
+      <p15:sldGuideLst xmlns:p15="http://schemas.microsoft.com/office/powerpoint/2012/main"/>
+    </p:ext>
+  </p:extLst>
 </p:presentation>
 </file>
 
@@ -157,7 +162,7 @@
           </a:lstStyle>
           <a:p>
             <a:r>
-              <a:rPr lang="ru-RU" smtClean="0"/>
+              <a:rPr lang="ru-RU"/>
               <a:t>Образец заголовка</a:t>
             </a:r>
             <a:endParaRPr lang="en-US" dirty="0"/>
@@ -222,7 +227,7 @@
           </a:lstStyle>
           <a:p>
             <a:r>
-              <a:rPr lang="ru-RU" smtClean="0"/>
+              <a:rPr lang="ru-RU"/>
               <a:t>Образец подзаголовка</a:t>
             </a:r>
             <a:endParaRPr lang="en-US" dirty="0"/>
@@ -246,7 +251,7 @@
           <a:p>
             <a:fld id="{5EEFE444-1190-4C73-A62F-C71CDACB7CC9}" type="datetimeFigureOut">
               <a:rPr lang="ru-RU" smtClean="0"/>
-              <a:t>23.05.2023</a:t>
+              <a:t>24.05.2023</a:t>
             </a:fld>
             <a:endParaRPr lang="ru-RU"/>
           </a:p>
@@ -351,7 +356,7 @@
           </a:lstStyle>
           <a:p>
             <a:r>
-              <a:rPr lang="ru-RU" smtClean="0"/>
+              <a:rPr lang="ru-RU"/>
               <a:t>Образец заголовка</a:t>
             </a:r>
             <a:endParaRPr lang="en-US" dirty="0"/>
@@ -442,7 +447,7 @@
           </a:lstStyle>
           <a:p>
             <a:r>
-              <a:rPr lang="ru-RU" smtClean="0"/>
+              <a:rPr lang="ru-RU"/>
               <a:t>Вставка рисунка</a:t>
             </a:r>
             <a:endParaRPr lang="en-US" dirty="0"/>
@@ -510,7 +515,7 @@
           <a:p>
             <a:pPr lvl="0"/>
             <a:r>
-              <a:rPr lang="ru-RU" smtClean="0"/>
+              <a:rPr lang="ru-RU"/>
               <a:t>Образец текста</a:t>
             </a:r>
           </a:p>
@@ -533,7 +538,7 @@
           <a:p>
             <a:fld id="{5EEFE444-1190-4C73-A62F-C71CDACB7CC9}" type="datetimeFigureOut">
               <a:rPr lang="ru-RU" smtClean="0"/>
-              <a:t>23.05.2023</a:t>
+              <a:t>24.05.2023</a:t>
             </a:fld>
             <a:endParaRPr lang="ru-RU"/>
           </a:p>
@@ -636,7 +641,7 @@
           </a:lstStyle>
           <a:p>
             <a:r>
-              <a:rPr lang="ru-RU" smtClean="0"/>
+              <a:rPr lang="ru-RU"/>
               <a:t>Образец заголовка</a:t>
             </a:r>
             <a:endParaRPr lang="en-US" dirty="0"/>
@@ -702,7 +707,7 @@
           <a:p>
             <a:pPr lvl="0"/>
             <a:r>
-              <a:rPr lang="ru-RU" smtClean="0"/>
+              <a:rPr lang="ru-RU"/>
               <a:t>Образец текста</a:t>
             </a:r>
           </a:p>
@@ -725,7 +730,7 @@
           <a:p>
             <a:fld id="{5EEFE444-1190-4C73-A62F-C71CDACB7CC9}" type="datetimeFigureOut">
               <a:rPr lang="ru-RU" smtClean="0"/>
-              <a:t>23.05.2023</a:t>
+              <a:t>24.05.2023</a:t>
             </a:fld>
             <a:endParaRPr lang="ru-RU"/>
           </a:p>
@@ -828,7 +833,7 @@
           </a:lstStyle>
           <a:p>
             <a:r>
-              <a:rPr lang="ru-RU" smtClean="0"/>
+              <a:rPr lang="ru-RU"/>
               <a:t>Образец заголовка</a:t>
             </a:r>
             <a:endParaRPr lang="en-US" dirty="0"/>
@@ -896,7 +901,7 @@
           <a:p>
             <a:pPr lvl="0"/>
             <a:r>
-              <a:rPr lang="ru-RU" smtClean="0"/>
+              <a:rPr lang="ru-RU"/>
               <a:t>Образец текста</a:t>
             </a:r>
           </a:p>
@@ -963,7 +968,7 @@
           <a:p>
             <a:pPr lvl="0"/>
             <a:r>
-              <a:rPr lang="ru-RU" smtClean="0"/>
+              <a:rPr lang="ru-RU"/>
               <a:t>Образец текста</a:t>
             </a:r>
           </a:p>
@@ -986,7 +991,7 @@
           <a:p>
             <a:fld id="{5EEFE444-1190-4C73-A62F-C71CDACB7CC9}" type="datetimeFigureOut">
               <a:rPr lang="ru-RU" smtClean="0"/>
-              <a:t>23.05.2023</a:t>
+              <a:t>24.05.2023</a:t>
             </a:fld>
             <a:endParaRPr lang="ru-RU"/>
           </a:p>
@@ -1321,7 +1326,7 @@
           </a:lstStyle>
           <a:p>
             <a:r>
-              <a:rPr lang="ru-RU" smtClean="0"/>
+              <a:rPr lang="ru-RU"/>
               <a:t>Образец заголовка</a:t>
             </a:r>
             <a:endParaRPr lang="en-US" dirty="0"/>
@@ -1387,7 +1392,7 @@
           <a:p>
             <a:pPr lvl="0"/>
             <a:r>
-              <a:rPr lang="ru-RU" smtClean="0"/>
+              <a:rPr lang="ru-RU"/>
               <a:t>Образец текста</a:t>
             </a:r>
           </a:p>
@@ -1410,7 +1415,7 @@
           <a:p>
             <a:fld id="{5EEFE444-1190-4C73-A62F-C71CDACB7CC9}" type="datetimeFigureOut">
               <a:rPr lang="ru-RU" smtClean="0"/>
-              <a:t>23.05.2023</a:t>
+              <a:t>24.05.2023</a:t>
             </a:fld>
             <a:endParaRPr lang="ru-RU"/>
           </a:p>
@@ -1509,7 +1514,7 @@
           <a:lstStyle/>
           <a:p>
             <a:r>
-              <a:rPr lang="ru-RU" smtClean="0"/>
+              <a:rPr lang="ru-RU"/>
               <a:t>Образец заголовка</a:t>
             </a:r>
             <a:endParaRPr lang="en-US" dirty="0"/>
@@ -1584,7 +1589,7 @@
           <a:p>
             <a:pPr lvl="0"/>
             <a:r>
-              <a:rPr lang="ru-RU" smtClean="0"/>
+              <a:rPr lang="ru-RU"/>
               <a:t>Образец текста</a:t>
             </a:r>
           </a:p>
@@ -1651,7 +1656,7 @@
           <a:p>
             <a:pPr lvl="0"/>
             <a:r>
-              <a:rPr lang="ru-RU" smtClean="0"/>
+              <a:rPr lang="ru-RU"/>
               <a:t>Образец текста</a:t>
             </a:r>
           </a:p>
@@ -1725,7 +1730,7 @@
           <a:p>
             <a:pPr lvl="0"/>
             <a:r>
-              <a:rPr lang="ru-RU" smtClean="0"/>
+              <a:rPr lang="ru-RU"/>
               <a:t>Образец текста</a:t>
             </a:r>
           </a:p>
@@ -1792,7 +1797,7 @@
           <a:p>
             <a:pPr lvl="0"/>
             <a:r>
-              <a:rPr lang="ru-RU" smtClean="0"/>
+              <a:rPr lang="ru-RU"/>
               <a:t>Образец текста</a:t>
             </a:r>
           </a:p>
@@ -1866,7 +1871,7 @@
           <a:p>
             <a:pPr lvl="0"/>
             <a:r>
-              <a:rPr lang="ru-RU" smtClean="0"/>
+              <a:rPr lang="ru-RU"/>
               <a:t>Образец текста</a:t>
             </a:r>
           </a:p>
@@ -1933,7 +1938,7 @@
           <a:p>
             <a:pPr lvl="0"/>
             <a:r>
-              <a:rPr lang="ru-RU" smtClean="0"/>
+              <a:rPr lang="ru-RU"/>
               <a:t>Образец текста</a:t>
             </a:r>
           </a:p>
@@ -1956,7 +1961,7 @@
           <a:p>
             <a:fld id="{5EEFE444-1190-4C73-A62F-C71CDACB7CC9}" type="datetimeFigureOut">
               <a:rPr lang="ru-RU" smtClean="0"/>
-              <a:t>23.05.2023</a:t>
+              <a:t>24.05.2023</a:t>
             </a:fld>
             <a:endParaRPr lang="ru-RU"/>
           </a:p>
@@ -2055,7 +2060,7 @@
           <a:lstStyle/>
           <a:p>
             <a:r>
-              <a:rPr lang="ru-RU" smtClean="0"/>
+              <a:rPr lang="ru-RU"/>
               <a:t>Образец заголовка</a:t>
             </a:r>
             <a:endParaRPr lang="en-US" dirty="0"/>
@@ -2130,7 +2135,7 @@
           <a:p>
             <a:pPr lvl="0"/>
             <a:r>
-              <a:rPr lang="ru-RU" smtClean="0"/>
+              <a:rPr lang="ru-RU"/>
               <a:t>Образец текста</a:t>
             </a:r>
           </a:p>
@@ -2227,7 +2232,7 @@
           </a:lstStyle>
           <a:p>
             <a:r>
-              <a:rPr lang="ru-RU" smtClean="0"/>
+              <a:rPr lang="ru-RU"/>
               <a:t>Вставка рисунка</a:t>
             </a:r>
             <a:endParaRPr lang="en-US" dirty="0"/>
@@ -2295,7 +2300,7 @@
           <a:p>
             <a:pPr lvl="0"/>
             <a:r>
-              <a:rPr lang="ru-RU" smtClean="0"/>
+              <a:rPr lang="ru-RU"/>
               <a:t>Образец текста</a:t>
             </a:r>
           </a:p>
@@ -2369,7 +2374,7 @@
           <a:p>
             <a:pPr lvl="0"/>
             <a:r>
-              <a:rPr lang="ru-RU" smtClean="0"/>
+              <a:rPr lang="ru-RU"/>
               <a:t>Образец текста</a:t>
             </a:r>
           </a:p>
@@ -2466,7 +2471,7 @@
           </a:lstStyle>
           <a:p>
             <a:r>
-              <a:rPr lang="ru-RU" smtClean="0"/>
+              <a:rPr lang="ru-RU"/>
               <a:t>Вставка рисунка</a:t>
             </a:r>
             <a:endParaRPr lang="en-US" dirty="0"/>
@@ -2534,7 +2539,7 @@
           <a:p>
             <a:pPr lvl="0"/>
             <a:r>
-              <a:rPr lang="ru-RU" smtClean="0"/>
+              <a:rPr lang="ru-RU"/>
               <a:t>Образец текста</a:t>
             </a:r>
           </a:p>
@@ -2608,7 +2613,7 @@
           <a:p>
             <a:pPr lvl="0"/>
             <a:r>
-              <a:rPr lang="ru-RU" smtClean="0"/>
+              <a:rPr lang="ru-RU"/>
               <a:t>Образец текста</a:t>
             </a:r>
           </a:p>
@@ -2705,7 +2710,7 @@
           </a:lstStyle>
           <a:p>
             <a:r>
-              <a:rPr lang="ru-RU" smtClean="0"/>
+              <a:rPr lang="ru-RU"/>
               <a:t>Вставка рисунка</a:t>
             </a:r>
             <a:endParaRPr lang="en-US" dirty="0"/>
@@ -2773,7 +2778,7 @@
           <a:p>
             <a:pPr lvl="0"/>
             <a:r>
-              <a:rPr lang="ru-RU" smtClean="0"/>
+              <a:rPr lang="ru-RU"/>
               <a:t>Образец текста</a:t>
             </a:r>
           </a:p>
@@ -2796,7 +2801,7 @@
           <a:p>
             <a:fld id="{5EEFE444-1190-4C73-A62F-C71CDACB7CC9}" type="datetimeFigureOut">
               <a:rPr lang="ru-RU" smtClean="0"/>
-              <a:t>23.05.2023</a:t>
+              <a:t>24.05.2023</a:t>
             </a:fld>
             <a:endParaRPr lang="ru-RU"/>
           </a:p>
@@ -2890,7 +2895,7 @@
           <a:lstStyle/>
           <a:p>
             <a:r>
-              <a:rPr lang="ru-RU" smtClean="0"/>
+              <a:rPr lang="ru-RU"/>
               <a:t>Образец заголовка</a:t>
             </a:r>
             <a:endParaRPr lang="en-US" dirty="0"/>
@@ -2914,35 +2919,35 @@
           <a:p>
             <a:pPr lvl="0"/>
             <a:r>
-              <a:rPr lang="ru-RU" smtClean="0"/>
+              <a:rPr lang="ru-RU"/>
               <a:t>Образец текста</a:t>
             </a:r>
           </a:p>
           <a:p>
             <a:pPr lvl="1"/>
             <a:r>
-              <a:rPr lang="ru-RU" smtClean="0"/>
+              <a:rPr lang="ru-RU"/>
               <a:t>Второй уровень</a:t>
             </a:r>
           </a:p>
           <a:p>
             <a:pPr lvl="2"/>
             <a:r>
-              <a:rPr lang="ru-RU" smtClean="0"/>
+              <a:rPr lang="ru-RU"/>
               <a:t>Третий уровень</a:t>
             </a:r>
           </a:p>
           <a:p>
             <a:pPr lvl="3"/>
             <a:r>
-              <a:rPr lang="ru-RU" smtClean="0"/>
+              <a:rPr lang="ru-RU"/>
               <a:t>Четвертый уровень</a:t>
             </a:r>
           </a:p>
           <a:p>
             <a:pPr lvl="4"/>
             <a:r>
-              <a:rPr lang="ru-RU" smtClean="0"/>
+              <a:rPr lang="ru-RU"/>
               <a:t>Пятый уровень</a:t>
             </a:r>
             <a:endParaRPr lang="en-US" dirty="0"/>
@@ -2966,7 +2971,7 @@
           <a:p>
             <a:fld id="{5EEFE444-1190-4C73-A62F-C71CDACB7CC9}" type="datetimeFigureOut">
               <a:rPr lang="ru-RU" smtClean="0"/>
-              <a:t>23.05.2023</a:t>
+              <a:t>24.05.2023</a:t>
             </a:fld>
             <a:endParaRPr lang="ru-RU"/>
           </a:p>
@@ -3069,7 +3074,7 @@
           </a:lstStyle>
           <a:p>
             <a:r>
-              <a:rPr lang="ru-RU" smtClean="0"/>
+              <a:rPr lang="ru-RU"/>
               <a:t>Образец заголовка</a:t>
             </a:r>
             <a:endParaRPr lang="en-US" dirty="0"/>
@@ -3098,35 +3103,35 @@
           <a:p>
             <a:pPr lvl="0"/>
             <a:r>
-              <a:rPr lang="ru-RU" smtClean="0"/>
+              <a:rPr lang="ru-RU"/>
               <a:t>Образец текста</a:t>
             </a:r>
           </a:p>
           <a:p>
             <a:pPr lvl="1"/>
             <a:r>
-              <a:rPr lang="ru-RU" smtClean="0"/>
+              <a:rPr lang="ru-RU"/>
               <a:t>Второй уровень</a:t>
             </a:r>
           </a:p>
           <a:p>
             <a:pPr lvl="2"/>
             <a:r>
-              <a:rPr lang="ru-RU" smtClean="0"/>
+              <a:rPr lang="ru-RU"/>
               <a:t>Третий уровень</a:t>
             </a:r>
           </a:p>
           <a:p>
             <a:pPr lvl="3"/>
             <a:r>
-              <a:rPr lang="ru-RU" smtClean="0"/>
+              <a:rPr lang="ru-RU"/>
               <a:t>Четвертый уровень</a:t>
             </a:r>
           </a:p>
           <a:p>
             <a:pPr lvl="4"/>
             <a:r>
-              <a:rPr lang="ru-RU" smtClean="0"/>
+              <a:rPr lang="ru-RU"/>
               <a:t>Пятый уровень</a:t>
             </a:r>
             <a:endParaRPr lang="en-US" dirty="0"/>
@@ -3150,7 +3155,7 @@
           <a:p>
             <a:fld id="{5EEFE444-1190-4C73-A62F-C71CDACB7CC9}" type="datetimeFigureOut">
               <a:rPr lang="ru-RU" smtClean="0"/>
-              <a:t>23.05.2023</a:t>
+              <a:t>24.05.2023</a:t>
             </a:fld>
             <a:endParaRPr lang="ru-RU"/>
           </a:p>
@@ -3244,7 +3249,7 @@
           <a:lstStyle/>
           <a:p>
             <a:r>
-              <a:rPr lang="ru-RU" smtClean="0"/>
+              <a:rPr lang="ru-RU"/>
               <a:t>Образец заголовка</a:t>
             </a:r>
             <a:endParaRPr lang="en-US" dirty="0"/>
@@ -3268,35 +3273,35 @@
           <a:p>
             <a:pPr lvl="0"/>
             <a:r>
-              <a:rPr lang="ru-RU" smtClean="0"/>
+              <a:rPr lang="ru-RU"/>
               <a:t>Образец текста</a:t>
             </a:r>
           </a:p>
           <a:p>
             <a:pPr lvl="1"/>
             <a:r>
-              <a:rPr lang="ru-RU" smtClean="0"/>
+              <a:rPr lang="ru-RU"/>
               <a:t>Второй уровень</a:t>
             </a:r>
           </a:p>
           <a:p>
             <a:pPr lvl="2"/>
             <a:r>
-              <a:rPr lang="ru-RU" smtClean="0"/>
+              <a:rPr lang="ru-RU"/>
               <a:t>Третий уровень</a:t>
             </a:r>
           </a:p>
           <a:p>
             <a:pPr lvl="3"/>
             <a:r>
-              <a:rPr lang="ru-RU" smtClean="0"/>
+              <a:rPr lang="ru-RU"/>
               <a:t>Четвертый уровень</a:t>
             </a:r>
           </a:p>
           <a:p>
             <a:pPr lvl="4"/>
             <a:r>
-              <a:rPr lang="ru-RU" smtClean="0"/>
+              <a:rPr lang="ru-RU"/>
               <a:t>Пятый уровень</a:t>
             </a:r>
             <a:endParaRPr lang="en-US" dirty="0"/>
@@ -3320,7 +3325,7 @@
           <a:p>
             <a:fld id="{5EEFE444-1190-4C73-A62F-C71CDACB7CC9}" type="datetimeFigureOut">
               <a:rPr lang="ru-RU" smtClean="0"/>
-              <a:t>23.05.2023</a:t>
+              <a:t>24.05.2023</a:t>
             </a:fld>
             <a:endParaRPr lang="ru-RU"/>
           </a:p>
@@ -3425,7 +3430,7 @@
           </a:lstStyle>
           <a:p>
             <a:r>
-              <a:rPr lang="ru-RU" smtClean="0"/>
+              <a:rPr lang="ru-RU"/>
               <a:t>Образец заголовка</a:t>
             </a:r>
             <a:endParaRPr lang="en-US" dirty="0"/>
@@ -3545,7 +3550,7 @@
           <a:p>
             <a:pPr lvl="0"/>
             <a:r>
-              <a:rPr lang="ru-RU" smtClean="0"/>
+              <a:rPr lang="ru-RU"/>
               <a:t>Образец текста</a:t>
             </a:r>
           </a:p>
@@ -3568,7 +3573,7 @@
           <a:p>
             <a:fld id="{5EEFE444-1190-4C73-A62F-C71CDACB7CC9}" type="datetimeFigureOut">
               <a:rPr lang="ru-RU" smtClean="0"/>
-              <a:t>23.05.2023</a:t>
+              <a:t>24.05.2023</a:t>
             </a:fld>
             <a:endParaRPr lang="ru-RU"/>
           </a:p>
@@ -3667,7 +3672,7 @@
           <a:lstStyle/>
           <a:p>
             <a:r>
-              <a:rPr lang="ru-RU" smtClean="0"/>
+              <a:rPr lang="ru-RU"/>
               <a:t>Образец заголовка</a:t>
             </a:r>
             <a:endParaRPr lang="en-US" dirty="0"/>
@@ -3696,35 +3701,35 @@
           <a:p>
             <a:pPr lvl="0"/>
             <a:r>
-              <a:rPr lang="ru-RU" smtClean="0"/>
+              <a:rPr lang="ru-RU"/>
               <a:t>Образец текста</a:t>
             </a:r>
           </a:p>
           <a:p>
             <a:pPr lvl="1"/>
             <a:r>
-              <a:rPr lang="ru-RU" smtClean="0"/>
+              <a:rPr lang="ru-RU"/>
               <a:t>Второй уровень</a:t>
             </a:r>
           </a:p>
           <a:p>
             <a:pPr lvl="2"/>
             <a:r>
-              <a:rPr lang="ru-RU" smtClean="0"/>
+              <a:rPr lang="ru-RU"/>
               <a:t>Третий уровень</a:t>
             </a:r>
           </a:p>
           <a:p>
             <a:pPr lvl="3"/>
             <a:r>
-              <a:rPr lang="ru-RU" smtClean="0"/>
+              <a:rPr lang="ru-RU"/>
               <a:t>Четвертый уровень</a:t>
             </a:r>
           </a:p>
           <a:p>
             <a:pPr lvl="4"/>
             <a:r>
-              <a:rPr lang="ru-RU" smtClean="0"/>
+              <a:rPr lang="ru-RU"/>
               <a:t>Пятый уровень</a:t>
             </a:r>
             <a:endParaRPr lang="en-US" dirty="0"/>
@@ -3753,35 +3758,35 @@
           <a:p>
             <a:pPr lvl="0"/>
             <a:r>
-              <a:rPr lang="ru-RU" smtClean="0"/>
+              <a:rPr lang="ru-RU"/>
               <a:t>Образец текста</a:t>
             </a:r>
           </a:p>
           <a:p>
             <a:pPr lvl="1"/>
             <a:r>
-              <a:rPr lang="ru-RU" smtClean="0"/>
+              <a:rPr lang="ru-RU"/>
               <a:t>Второй уровень</a:t>
             </a:r>
           </a:p>
           <a:p>
             <a:pPr lvl="2"/>
             <a:r>
-              <a:rPr lang="ru-RU" smtClean="0"/>
+              <a:rPr lang="ru-RU"/>
               <a:t>Третий уровень</a:t>
             </a:r>
           </a:p>
           <a:p>
             <a:pPr lvl="3"/>
             <a:r>
-              <a:rPr lang="ru-RU" smtClean="0"/>
+              <a:rPr lang="ru-RU"/>
               <a:t>Четвертый уровень</a:t>
             </a:r>
           </a:p>
           <a:p>
             <a:pPr lvl="4"/>
             <a:r>
-              <a:rPr lang="ru-RU" smtClean="0"/>
+              <a:rPr lang="ru-RU"/>
               <a:t>Пятый уровень</a:t>
             </a:r>
             <a:endParaRPr lang="en-US" dirty="0"/>
@@ -3805,7 +3810,7 @@
           <a:p>
             <a:fld id="{5EEFE444-1190-4C73-A62F-C71CDACB7CC9}" type="datetimeFigureOut">
               <a:rPr lang="ru-RU" smtClean="0"/>
-              <a:t>23.05.2023</a:t>
+              <a:t>24.05.2023</a:t>
             </a:fld>
             <a:endParaRPr lang="ru-RU"/>
           </a:p>
@@ -3904,7 +3909,7 @@
           <a:lstStyle/>
           <a:p>
             <a:r>
-              <a:rPr lang="ru-RU" smtClean="0"/>
+              <a:rPr lang="ru-RU"/>
               <a:t>Образец заголовка</a:t>
             </a:r>
             <a:endParaRPr lang="en-US" dirty="0"/>
@@ -3973,7 +3978,7 @@
           <a:p>
             <a:pPr lvl="0"/>
             <a:r>
-              <a:rPr lang="ru-RU" smtClean="0"/>
+              <a:rPr lang="ru-RU"/>
               <a:t>Образец текста</a:t>
             </a:r>
           </a:p>
@@ -4001,35 +4006,35 @@
           <a:p>
             <a:pPr lvl="0"/>
             <a:r>
-              <a:rPr lang="ru-RU" smtClean="0"/>
+              <a:rPr lang="ru-RU"/>
               <a:t>Образец текста</a:t>
             </a:r>
           </a:p>
           <a:p>
             <a:pPr lvl="1"/>
             <a:r>
-              <a:rPr lang="ru-RU" smtClean="0"/>
+              <a:rPr lang="ru-RU"/>
               <a:t>Второй уровень</a:t>
             </a:r>
           </a:p>
           <a:p>
             <a:pPr lvl="2"/>
             <a:r>
-              <a:rPr lang="ru-RU" smtClean="0"/>
+              <a:rPr lang="ru-RU"/>
               <a:t>Третий уровень</a:t>
             </a:r>
           </a:p>
           <a:p>
             <a:pPr lvl="3"/>
             <a:r>
-              <a:rPr lang="ru-RU" smtClean="0"/>
+              <a:rPr lang="ru-RU"/>
               <a:t>Четвертый уровень</a:t>
             </a:r>
           </a:p>
           <a:p>
             <a:pPr lvl="4"/>
             <a:r>
-              <a:rPr lang="ru-RU" smtClean="0"/>
+              <a:rPr lang="ru-RU"/>
               <a:t>Пятый уровень</a:t>
             </a:r>
             <a:endParaRPr lang="en-US" dirty="0"/>
@@ -4098,7 +4103,7 @@
           <a:p>
             <a:pPr lvl="0"/>
             <a:r>
-              <a:rPr lang="ru-RU" smtClean="0"/>
+              <a:rPr lang="ru-RU"/>
               <a:t>Образец текста</a:t>
             </a:r>
           </a:p>
@@ -4126,35 +4131,35 @@
           <a:p>
             <a:pPr lvl="0"/>
             <a:r>
-              <a:rPr lang="ru-RU" smtClean="0"/>
+              <a:rPr lang="ru-RU"/>
               <a:t>Образец текста</a:t>
             </a:r>
           </a:p>
           <a:p>
             <a:pPr lvl="1"/>
             <a:r>
-              <a:rPr lang="ru-RU" smtClean="0"/>
+              <a:rPr lang="ru-RU"/>
               <a:t>Второй уровень</a:t>
             </a:r>
           </a:p>
           <a:p>
             <a:pPr lvl="2"/>
             <a:r>
-              <a:rPr lang="ru-RU" smtClean="0"/>
+              <a:rPr lang="ru-RU"/>
               <a:t>Третий уровень</a:t>
             </a:r>
           </a:p>
           <a:p>
             <a:pPr lvl="3"/>
             <a:r>
-              <a:rPr lang="ru-RU" smtClean="0"/>
+              <a:rPr lang="ru-RU"/>
               <a:t>Четвертый уровень</a:t>
             </a:r>
           </a:p>
           <a:p>
             <a:pPr lvl="4"/>
             <a:r>
-              <a:rPr lang="ru-RU" smtClean="0"/>
+              <a:rPr lang="ru-RU"/>
               <a:t>Пятый уровень</a:t>
             </a:r>
             <a:endParaRPr lang="en-US" dirty="0"/>
@@ -4178,7 +4183,7 @@
           <a:p>
             <a:fld id="{5EEFE444-1190-4C73-A62F-C71CDACB7CC9}" type="datetimeFigureOut">
               <a:rPr lang="ru-RU" smtClean="0"/>
-              <a:t>23.05.2023</a:t>
+              <a:t>24.05.2023</a:t>
             </a:fld>
             <a:endParaRPr lang="ru-RU"/>
           </a:p>
@@ -4272,7 +4277,7 @@
           <a:lstStyle/>
           <a:p>
             <a:r>
-              <a:rPr lang="ru-RU" smtClean="0"/>
+              <a:rPr lang="ru-RU"/>
               <a:t>Образец заголовка</a:t>
             </a:r>
             <a:endParaRPr lang="en-US" dirty="0"/>
@@ -4296,7 +4301,7 @@
           <a:p>
             <a:fld id="{5EEFE444-1190-4C73-A62F-C71CDACB7CC9}" type="datetimeFigureOut">
               <a:rPr lang="ru-RU" smtClean="0"/>
-              <a:t>23.05.2023</a:t>
+              <a:t>24.05.2023</a:t>
             </a:fld>
             <a:endParaRPr lang="ru-RU"/>
           </a:p>
@@ -4391,7 +4396,7 @@
           <a:p>
             <a:fld id="{5EEFE444-1190-4C73-A62F-C71CDACB7CC9}" type="datetimeFigureOut">
               <a:rPr lang="ru-RU" smtClean="0"/>
-              <a:t>23.05.2023</a:t>
+              <a:t>24.05.2023</a:t>
             </a:fld>
             <a:endParaRPr lang="ru-RU"/>
           </a:p>
@@ -4496,7 +4501,7 @@
           </a:lstStyle>
           <a:p>
             <a:r>
-              <a:rPr lang="ru-RU" smtClean="0"/>
+              <a:rPr lang="ru-RU"/>
               <a:t>Образец заголовка</a:t>
             </a:r>
             <a:endParaRPr lang="en-US" dirty="0"/>
@@ -4525,35 +4530,35 @@
           <a:p>
             <a:pPr lvl="0"/>
             <a:r>
-              <a:rPr lang="ru-RU" smtClean="0"/>
+              <a:rPr lang="ru-RU"/>
               <a:t>Образец текста</a:t>
             </a:r>
           </a:p>
           <a:p>
             <a:pPr lvl="1"/>
             <a:r>
-              <a:rPr lang="ru-RU" smtClean="0"/>
+              <a:rPr lang="ru-RU"/>
               <a:t>Второй уровень</a:t>
             </a:r>
           </a:p>
           <a:p>
             <a:pPr lvl="2"/>
             <a:r>
-              <a:rPr lang="ru-RU" smtClean="0"/>
+              <a:rPr lang="ru-RU"/>
               <a:t>Третий уровень</a:t>
             </a:r>
           </a:p>
           <a:p>
             <a:pPr lvl="3"/>
             <a:r>
-              <a:rPr lang="ru-RU" smtClean="0"/>
+              <a:rPr lang="ru-RU"/>
               <a:t>Четвертый уровень</a:t>
             </a:r>
           </a:p>
           <a:p>
             <a:pPr lvl="4"/>
             <a:r>
-              <a:rPr lang="ru-RU" smtClean="0"/>
+              <a:rPr lang="ru-RU"/>
               <a:t>Пятый уровень</a:t>
             </a:r>
             <a:endParaRPr lang="en-US" dirty="0"/>
@@ -4619,7 +4624,7 @@
           <a:p>
             <a:pPr lvl="0"/>
             <a:r>
-              <a:rPr lang="ru-RU" smtClean="0"/>
+              <a:rPr lang="ru-RU"/>
               <a:t>Образец текста</a:t>
             </a:r>
           </a:p>
@@ -4642,7 +4647,7 @@
           <a:p>
             <a:fld id="{5EEFE444-1190-4C73-A62F-C71CDACB7CC9}" type="datetimeFigureOut">
               <a:rPr lang="ru-RU" smtClean="0"/>
-              <a:t>23.05.2023</a:t>
+              <a:t>24.05.2023</a:t>
             </a:fld>
             <a:endParaRPr lang="ru-RU"/>
           </a:p>
@@ -4747,7 +4752,7 @@
           </a:lstStyle>
           <a:p>
             <a:r>
-              <a:rPr lang="ru-RU" smtClean="0"/>
+              <a:rPr lang="ru-RU"/>
               <a:t>Образец заголовка</a:t>
             </a:r>
             <a:endParaRPr lang="en-US" dirty="0"/>
@@ -4838,7 +4843,7 @@
           </a:lstStyle>
           <a:p>
             <a:r>
-              <a:rPr lang="ru-RU" smtClean="0"/>
+              <a:rPr lang="ru-RU"/>
               <a:t>Вставка рисунка</a:t>
             </a:r>
             <a:endParaRPr lang="en-US" dirty="0"/>
@@ -4906,7 +4911,7 @@
           <a:p>
             <a:pPr lvl="0"/>
             <a:r>
-              <a:rPr lang="ru-RU" smtClean="0"/>
+              <a:rPr lang="ru-RU"/>
               <a:t>Образец текста</a:t>
             </a:r>
           </a:p>
@@ -4929,7 +4934,7 @@
           <a:p>
             <a:fld id="{5EEFE444-1190-4C73-A62F-C71CDACB7CC9}" type="datetimeFigureOut">
               <a:rPr lang="ru-RU" smtClean="0"/>
-              <a:t>23.05.2023</a:t>
+              <a:t>24.05.2023</a:t>
             </a:fld>
             <a:endParaRPr lang="ru-RU"/>
           </a:p>
@@ -5038,7 +5043,7 @@
           <a:lstStyle/>
           <a:p>
             <a:r>
-              <a:rPr lang="ru-RU" smtClean="0"/>
+              <a:rPr lang="ru-RU"/>
               <a:t>Образец заголовка</a:t>
             </a:r>
             <a:endParaRPr lang="en-US" dirty="0"/>
@@ -5072,35 +5077,35 @@
           <a:p>
             <a:pPr lvl="0"/>
             <a:r>
-              <a:rPr lang="ru-RU" smtClean="0"/>
+              <a:rPr lang="ru-RU"/>
               <a:t>Образец текста</a:t>
             </a:r>
           </a:p>
           <a:p>
             <a:pPr lvl="1"/>
             <a:r>
-              <a:rPr lang="ru-RU" smtClean="0"/>
+              <a:rPr lang="ru-RU"/>
               <a:t>Второй уровень</a:t>
             </a:r>
           </a:p>
           <a:p>
             <a:pPr lvl="2"/>
             <a:r>
-              <a:rPr lang="ru-RU" smtClean="0"/>
+              <a:rPr lang="ru-RU"/>
               <a:t>Третий уровень</a:t>
             </a:r>
           </a:p>
           <a:p>
             <a:pPr lvl="3"/>
             <a:r>
-              <a:rPr lang="ru-RU" smtClean="0"/>
+              <a:rPr lang="ru-RU"/>
               <a:t>Четвертый уровень</a:t>
             </a:r>
           </a:p>
           <a:p>
             <a:pPr lvl="4"/>
             <a:r>
-              <a:rPr lang="ru-RU" smtClean="0"/>
+              <a:rPr lang="ru-RU"/>
               <a:t>Пятый уровень</a:t>
             </a:r>
             <a:endParaRPr lang="en-US" dirty="0"/>
@@ -5142,7 +5147,7 @@
           <a:p>
             <a:fld id="{5EEFE444-1190-4C73-A62F-C71CDACB7CC9}" type="datetimeFigureOut">
               <a:rPr lang="ru-RU" smtClean="0"/>
-              <a:t>23.05.2023</a:t>
+              <a:t>24.05.2023</a:t>
             </a:fld>
             <a:endParaRPr lang="ru-RU"/>
           </a:p>
@@ -5633,16 +5638,46 @@
             <p:ph type="ctrTitle"/>
           </p:nvPr>
         </p:nvSpPr>
-        <p:spPr/>
-        <p:txBody>
-          <a:bodyPr/>
-          <a:lstStyle/>
-          <a:p>
-            <a:r>
-              <a:rPr lang="ru-RU" dirty="0" smtClean="0"/>
-              <a:t>Курсовая работа </a:t>
-            </a:r>
-            <a:endParaRPr lang="ru-RU" dirty="0"/>
+        <p:spPr>
+          <a:xfrm>
+            <a:off x="1452656" y="216352"/>
+            <a:ext cx="9001462" cy="2387600"/>
+          </a:xfrm>
+        </p:spPr>
+        <p:txBody>
+          <a:bodyPr>
+            <a:normAutofit/>
+          </a:bodyPr>
+          <a:lstStyle/>
+          <a:p>
+            <a:r>
+              <a:rPr lang="ru-RU" sz="3200" dirty="0"/>
+              <a:t>Разработка </a:t>
+            </a:r>
+            <a:r>
+              <a:rPr lang="en-US" sz="3200" dirty="0"/>
+              <a:t>desktop-</a:t>
+            </a:r>
+            <a:r>
+              <a:rPr lang="ru-RU" sz="3200" dirty="0"/>
+              <a:t>приложений с использованием технологии </a:t>
+            </a:r>
+            <a:r>
+              <a:rPr lang="en-US" sz="3200" dirty="0" err="1"/>
+              <a:t>wpf</a:t>
+            </a:r>
+            <a:r>
+              <a:rPr lang="ru-RU" sz="3200" dirty="0"/>
+              <a:t> на платформе .</a:t>
+            </a:r>
+            <a:r>
+              <a:rPr lang="en-US" sz="3200" dirty="0"/>
+              <a:t>net  7</a:t>
+            </a:r>
+            <a:r>
+              <a:rPr lang="ru-RU" sz="3200" dirty="0"/>
+              <a:t> </a:t>
+            </a:r>
           </a:p>
         </p:txBody>
       </p:sp>
@@ -5656,16 +5691,96 @@
             <p:ph type="subTitle" idx="1"/>
           </p:nvPr>
         </p:nvSpPr>
-        <p:spPr/>
-        <p:txBody>
-          <a:bodyPr/>
-          <a:lstStyle/>
-          <a:p>
-            <a:r>
-              <a:rPr lang="ru-RU" dirty="0" smtClean="0"/>
-              <a:t>По дисциплине: основы алгоритмизации и программирования</a:t>
-            </a:r>
-            <a:endParaRPr lang="ru-RU" dirty="0"/>
+        <p:spPr>
+          <a:xfrm>
+            <a:off x="6618915" y="2847029"/>
+            <a:ext cx="3835203" cy="1655762"/>
+          </a:xfrm>
+        </p:spPr>
+        <p:txBody>
+          <a:bodyPr/>
+          <a:lstStyle/>
+          <a:p>
+            <a:r>
+              <a:rPr lang="ru-RU" dirty="0"/>
+              <a:t>Курсовая работа оп.09 основы алгоритмизации и программирования</a:t>
+            </a:r>
+          </a:p>
+        </p:txBody>
+      </p:sp>
+      <p:sp>
+        <p:nvSpPr>
+          <p:cNvPr id="4" name="TextBox 3">
+            <a:extLst>
+              <a:ext uri="{FF2B5EF4-FFF2-40B4-BE49-F238E27FC236}">
+                <a16:creationId xmlns:a16="http://schemas.microsoft.com/office/drawing/2014/main" id="{6344F304-EA68-4098-B6C0-2720AD81A82B}"/>
+              </a:ext>
+            </a:extLst>
+          </p:cNvPr>
+          <p:cNvSpPr txBox="1"/>
+          <p:nvPr/>
+        </p:nvSpPr>
+        <p:spPr>
+          <a:xfrm>
+            <a:off x="9162213" y="5735637"/>
+            <a:ext cx="2869035" cy="646331"/>
+          </a:xfrm>
+          <a:prstGeom prst="rect">
+            <a:avLst/>
+          </a:prstGeom>
+          <a:noFill/>
+        </p:spPr>
+        <p:txBody>
+          <a:bodyPr wrap="square" rtlCol="0">
+            <a:spAutoFit/>
+          </a:bodyPr>
+          <a:lstStyle/>
+          <a:p>
+            <a:r>
+              <a:rPr lang="ru-RU" dirty="0"/>
+              <a:t>Студент группы к-21-1</a:t>
+            </a:r>
+          </a:p>
+          <a:p>
+            <a:r>
+              <a:rPr lang="ru-RU" dirty="0"/>
+              <a:t>Махортов Е.Д.</a:t>
+            </a:r>
+          </a:p>
+        </p:txBody>
+      </p:sp>
+      <p:sp>
+        <p:nvSpPr>
+          <p:cNvPr id="6" name="TextBox 5">
+            <a:extLst>
+              <a:ext uri="{FF2B5EF4-FFF2-40B4-BE49-F238E27FC236}">
+                <a16:creationId xmlns:a16="http://schemas.microsoft.com/office/drawing/2014/main" id="{9FCEB10E-F268-4E9D-965F-CBE25ED0600A}"/>
+              </a:ext>
+            </a:extLst>
+          </p:cNvPr>
+          <p:cNvSpPr txBox="1"/>
+          <p:nvPr/>
+        </p:nvSpPr>
+        <p:spPr>
+          <a:xfrm>
+            <a:off x="160752" y="6012636"/>
+            <a:ext cx="3347207" cy="369332"/>
+          </a:xfrm>
+          <a:prstGeom prst="rect">
+            <a:avLst/>
+          </a:prstGeom>
+          <a:noFill/>
+        </p:spPr>
+        <p:txBody>
+          <a:bodyPr wrap="square" rtlCol="0">
+            <a:spAutoFit/>
+          </a:bodyPr>
+          <a:lstStyle/>
+          <a:p>
+            <a:r>
+              <a:rPr lang="ru-RU" dirty="0"/>
+              <a:t>Руководитель С.М. Гвоздев </a:t>
+            </a:r>
           </a:p>
         </p:txBody>
       </p:sp>
@@ -5720,10 +5835,9 @@
           <a:lstStyle/>
           <a:p>
             <a:r>
-              <a:rPr lang="ru-RU" dirty="0" smtClean="0"/>
+              <a:rPr lang="ru-RU" dirty="0"/>
               <a:t>Страница выбора заданий</a:t>
             </a:r>
-            <a:endParaRPr lang="ru-RU" dirty="0"/>
           </a:p>
         </p:txBody>
       </p:sp>
@@ -5804,10 +5918,9 @@
           <a:lstStyle/>
           <a:p>
             <a:r>
-              <a:rPr lang="ru-RU" dirty="0" smtClean="0"/>
+              <a:rPr lang="ru-RU" dirty="0"/>
               <a:t>Задание 1</a:t>
             </a:r>
-            <a:endParaRPr lang="ru-RU" dirty="0"/>
           </a:p>
         </p:txBody>
       </p:sp>
@@ -5888,10 +6001,9 @@
           <a:lstStyle/>
           <a:p>
             <a:r>
-              <a:rPr lang="ru-RU" dirty="0" smtClean="0"/>
+              <a:rPr lang="ru-RU" dirty="0"/>
               <a:t>Задание 2</a:t>
             </a:r>
-            <a:endParaRPr lang="ru-RU" dirty="0"/>
           </a:p>
         </p:txBody>
       </p:sp>
@@ -5972,10 +6084,9 @@
           <a:lstStyle/>
           <a:p>
             <a:r>
-              <a:rPr lang="ru-RU" dirty="0" smtClean="0"/>
-              <a:t>Задние 3</a:t>
-            </a:r>
-            <a:endParaRPr lang="ru-RU" dirty="0"/>
+              <a:rPr lang="ru-RU" dirty="0"/>
+              <a:t>Задание 3</a:t>
+            </a:r>
           </a:p>
         </p:txBody>
       </p:sp>
@@ -6056,10 +6167,9 @@
           <a:lstStyle/>
           <a:p>
             <a:r>
-              <a:rPr lang="ru-RU" dirty="0" smtClean="0"/>
+              <a:rPr lang="ru-RU" dirty="0"/>
               <a:t>Задание 4</a:t>
             </a:r>
-            <a:endParaRPr lang="ru-RU" dirty="0"/>
           </a:p>
         </p:txBody>
       </p:sp>
@@ -6140,10 +6250,9 @@
           <a:lstStyle/>
           <a:p>
             <a:r>
-              <a:rPr lang="ru-RU" dirty="0" smtClean="0"/>
+              <a:rPr lang="ru-RU" dirty="0"/>
               <a:t>Задание 5</a:t>
             </a:r>
-            <a:endParaRPr lang="ru-RU" dirty="0"/>
           </a:p>
         </p:txBody>
       </p:sp>

--- a/Курсовая работа.pptx
+++ b/Курсовая работа.pptx
@@ -6,12 +6,16 @@
   </p:sldMasterIdLst>
   <p:sldIdLst>
     <p:sldId id="256" r:id="rId2"/>
-    <p:sldId id="257" r:id="rId3"/>
-    <p:sldId id="258" r:id="rId4"/>
-    <p:sldId id="259" r:id="rId5"/>
-    <p:sldId id="260" r:id="rId6"/>
-    <p:sldId id="261" r:id="rId7"/>
-    <p:sldId id="262" r:id="rId8"/>
+    <p:sldId id="263" r:id="rId3"/>
+    <p:sldId id="264" r:id="rId4"/>
+    <p:sldId id="257" r:id="rId5"/>
+    <p:sldId id="258" r:id="rId6"/>
+    <p:sldId id="259" r:id="rId7"/>
+    <p:sldId id="260" r:id="rId8"/>
+    <p:sldId id="261" r:id="rId9"/>
+    <p:sldId id="262" r:id="rId10"/>
+    <p:sldId id="265" r:id="rId11"/>
+    <p:sldId id="266" r:id="rId12"/>
   </p:sldIdLst>
   <p:sldSz cx="12192000" cy="6858000"/>
   <p:notesSz cx="6858000" cy="9144000"/>
@@ -251,7 +255,7 @@
           <a:p>
             <a:fld id="{5EEFE444-1190-4C73-A62F-C71CDACB7CC9}" type="datetimeFigureOut">
               <a:rPr lang="ru-RU" smtClean="0"/>
-              <a:t>24.05.2023</a:t>
+              <a:t>25.05.2023</a:t>
             </a:fld>
             <a:endParaRPr lang="ru-RU"/>
           </a:p>
@@ -538,7 +542,7 @@
           <a:p>
             <a:fld id="{5EEFE444-1190-4C73-A62F-C71CDACB7CC9}" type="datetimeFigureOut">
               <a:rPr lang="ru-RU" smtClean="0"/>
-              <a:t>24.05.2023</a:t>
+              <a:t>25.05.2023</a:t>
             </a:fld>
             <a:endParaRPr lang="ru-RU"/>
           </a:p>
@@ -730,7 +734,7 @@
           <a:p>
             <a:fld id="{5EEFE444-1190-4C73-A62F-C71CDACB7CC9}" type="datetimeFigureOut">
               <a:rPr lang="ru-RU" smtClean="0"/>
-              <a:t>24.05.2023</a:t>
+              <a:t>25.05.2023</a:t>
             </a:fld>
             <a:endParaRPr lang="ru-RU"/>
           </a:p>
@@ -991,7 +995,7 @@
           <a:p>
             <a:fld id="{5EEFE444-1190-4C73-A62F-C71CDACB7CC9}" type="datetimeFigureOut">
               <a:rPr lang="ru-RU" smtClean="0"/>
-              <a:t>24.05.2023</a:t>
+              <a:t>25.05.2023</a:t>
             </a:fld>
             <a:endParaRPr lang="ru-RU"/>
           </a:p>
@@ -1415,7 +1419,7 @@
           <a:p>
             <a:fld id="{5EEFE444-1190-4C73-A62F-C71CDACB7CC9}" type="datetimeFigureOut">
               <a:rPr lang="ru-RU" smtClean="0"/>
-              <a:t>24.05.2023</a:t>
+              <a:t>25.05.2023</a:t>
             </a:fld>
             <a:endParaRPr lang="ru-RU"/>
           </a:p>
@@ -1961,7 +1965,7 @@
           <a:p>
             <a:fld id="{5EEFE444-1190-4C73-A62F-C71CDACB7CC9}" type="datetimeFigureOut">
               <a:rPr lang="ru-RU" smtClean="0"/>
-              <a:t>24.05.2023</a:t>
+              <a:t>25.05.2023</a:t>
             </a:fld>
             <a:endParaRPr lang="ru-RU"/>
           </a:p>
@@ -2801,7 +2805,7 @@
           <a:p>
             <a:fld id="{5EEFE444-1190-4C73-A62F-C71CDACB7CC9}" type="datetimeFigureOut">
               <a:rPr lang="ru-RU" smtClean="0"/>
-              <a:t>24.05.2023</a:t>
+              <a:t>25.05.2023</a:t>
             </a:fld>
             <a:endParaRPr lang="ru-RU"/>
           </a:p>
@@ -2971,7 +2975,7 @@
           <a:p>
             <a:fld id="{5EEFE444-1190-4C73-A62F-C71CDACB7CC9}" type="datetimeFigureOut">
               <a:rPr lang="ru-RU" smtClean="0"/>
-              <a:t>24.05.2023</a:t>
+              <a:t>25.05.2023</a:t>
             </a:fld>
             <a:endParaRPr lang="ru-RU"/>
           </a:p>
@@ -3155,7 +3159,7 @@
           <a:p>
             <a:fld id="{5EEFE444-1190-4C73-A62F-C71CDACB7CC9}" type="datetimeFigureOut">
               <a:rPr lang="ru-RU" smtClean="0"/>
-              <a:t>24.05.2023</a:t>
+              <a:t>25.05.2023</a:t>
             </a:fld>
             <a:endParaRPr lang="ru-RU"/>
           </a:p>
@@ -3325,7 +3329,7 @@
           <a:p>
             <a:fld id="{5EEFE444-1190-4C73-A62F-C71CDACB7CC9}" type="datetimeFigureOut">
               <a:rPr lang="ru-RU" smtClean="0"/>
-              <a:t>24.05.2023</a:t>
+              <a:t>25.05.2023</a:t>
             </a:fld>
             <a:endParaRPr lang="ru-RU"/>
           </a:p>
@@ -3573,7 +3577,7 @@
           <a:p>
             <a:fld id="{5EEFE444-1190-4C73-A62F-C71CDACB7CC9}" type="datetimeFigureOut">
               <a:rPr lang="ru-RU" smtClean="0"/>
-              <a:t>24.05.2023</a:t>
+              <a:t>25.05.2023</a:t>
             </a:fld>
             <a:endParaRPr lang="ru-RU"/>
           </a:p>
@@ -3810,7 +3814,7 @@
           <a:p>
             <a:fld id="{5EEFE444-1190-4C73-A62F-C71CDACB7CC9}" type="datetimeFigureOut">
               <a:rPr lang="ru-RU" smtClean="0"/>
-              <a:t>24.05.2023</a:t>
+              <a:t>25.05.2023</a:t>
             </a:fld>
             <a:endParaRPr lang="ru-RU"/>
           </a:p>
@@ -4183,7 +4187,7 @@
           <a:p>
             <a:fld id="{5EEFE444-1190-4C73-A62F-C71CDACB7CC9}" type="datetimeFigureOut">
               <a:rPr lang="ru-RU" smtClean="0"/>
-              <a:t>24.05.2023</a:t>
+              <a:t>25.05.2023</a:t>
             </a:fld>
             <a:endParaRPr lang="ru-RU"/>
           </a:p>
@@ -4301,7 +4305,7 @@
           <a:p>
             <a:fld id="{5EEFE444-1190-4C73-A62F-C71CDACB7CC9}" type="datetimeFigureOut">
               <a:rPr lang="ru-RU" smtClean="0"/>
-              <a:t>24.05.2023</a:t>
+              <a:t>25.05.2023</a:t>
             </a:fld>
             <a:endParaRPr lang="ru-RU"/>
           </a:p>
@@ -4396,7 +4400,7 @@
           <a:p>
             <a:fld id="{5EEFE444-1190-4C73-A62F-C71CDACB7CC9}" type="datetimeFigureOut">
               <a:rPr lang="ru-RU" smtClean="0"/>
-              <a:t>24.05.2023</a:t>
+              <a:t>25.05.2023</a:t>
             </a:fld>
             <a:endParaRPr lang="ru-RU"/>
           </a:p>
@@ -4647,7 +4651,7 @@
           <a:p>
             <a:fld id="{5EEFE444-1190-4C73-A62F-C71CDACB7CC9}" type="datetimeFigureOut">
               <a:rPr lang="ru-RU" smtClean="0"/>
-              <a:t>24.05.2023</a:t>
+              <a:t>25.05.2023</a:t>
             </a:fld>
             <a:endParaRPr lang="ru-RU"/>
           </a:p>
@@ -4934,7 +4938,7 @@
           <a:p>
             <a:fld id="{5EEFE444-1190-4C73-A62F-C71CDACB7CC9}" type="datetimeFigureOut">
               <a:rPr lang="ru-RU" smtClean="0"/>
-              <a:t>24.05.2023</a:t>
+              <a:t>25.05.2023</a:t>
             </a:fld>
             <a:endParaRPr lang="ru-RU"/>
           </a:p>
@@ -5147,7 +5151,7 @@
           <a:p>
             <a:fld id="{5EEFE444-1190-4C73-A62F-C71CDACB7CC9}" type="datetimeFigureOut">
               <a:rPr lang="ru-RU" smtClean="0"/>
-              <a:t>24.05.2023</a:t>
+              <a:t>25.05.2023</a:t>
             </a:fld>
             <a:endParaRPr lang="ru-RU"/>
           </a:p>
@@ -5640,7 +5644,7 @@
         </p:nvSpPr>
         <p:spPr>
           <a:xfrm>
-            <a:off x="1452656" y="216352"/>
+            <a:off x="1340361" y="1138797"/>
             <a:ext cx="9001462" cy="2387600"/>
           </a:xfrm>
         </p:spPr>
@@ -5651,16 +5655,36 @@
           <a:lstStyle/>
           <a:p>
             <a:r>
+              <a:rPr lang="ru-RU" sz="3200" b="0" dirty="0"/>
+              <a:t>Разработка</a:t>
+            </a:r>
+            <a:r>
               <a:rPr lang="ru-RU" sz="3200" dirty="0"/>
-              <a:t>Разработка </a:t>
+              <a:t> </a:t>
             </a:r>
             <a:r>
               <a:rPr lang="en-US" sz="3200" dirty="0"/>
               <a:t>desktop-</a:t>
             </a:r>
             <a:r>
+              <a:rPr lang="ru-RU" sz="3200" b="0" dirty="0"/>
+              <a:t>приложений</a:t>
+            </a:r>
+            <a:r>
               <a:rPr lang="ru-RU" sz="3200" dirty="0"/>
-              <a:t>приложений с использованием технологии </a:t>
+              <a:t> </a:t>
+            </a:r>
+            <a:r>
+              <a:rPr lang="ru-RU" sz="3200" b="0" dirty="0"/>
+              <a:t>с</a:t>
+            </a:r>
+            <a:r>
+              <a:rPr lang="ru-RU" sz="3200" dirty="0"/>
+              <a:t> </a:t>
+            </a:r>
+            <a:r>
+              <a:rPr lang="ru-RU" sz="3200" b="0" dirty="0"/>
+              <a:t>использованием технологии </a:t>
             </a:r>
             <a:r>
               <a:rPr lang="en-US" sz="3200" dirty="0" err="1"/>
@@ -5668,7 +5692,15 @@
             </a:r>
             <a:r>
               <a:rPr lang="ru-RU" sz="3200" dirty="0"/>
-              <a:t> на платформе .</a:t>
+              <a:t> </a:t>
+            </a:r>
+            <a:r>
+              <a:rPr lang="ru-RU" sz="3200" b="0" dirty="0"/>
+              <a:t>на платформе </a:t>
+            </a:r>
+            <a:r>
+              <a:rPr lang="ru-RU" sz="3200" dirty="0"/>
+              <a:t>.</a:t>
             </a:r>
             <a:r>
               <a:rPr lang="en-US" sz="3200" dirty="0"/>
@@ -5693,8 +5725,8 @@
         </p:nvSpPr>
         <p:spPr>
           <a:xfrm>
-            <a:off x="6618915" y="2847029"/>
-            <a:ext cx="3835203" cy="1655762"/>
+            <a:off x="5953387" y="3526397"/>
+            <a:ext cx="5573085" cy="1655762"/>
           </a:xfrm>
         </p:spPr>
         <p:txBody>
@@ -5784,10 +5816,217 @@
           </a:p>
         </p:txBody>
       </p:sp>
+      <p:sp>
+        <p:nvSpPr>
+          <p:cNvPr id="5" name="TextBox 4"/>
+          <p:cNvSpPr txBox="1"/>
+          <p:nvPr/>
+        </p:nvSpPr>
+        <p:spPr>
+          <a:xfrm>
+            <a:off x="3734792" y="215987"/>
+            <a:ext cx="5005137" cy="369332"/>
+          </a:xfrm>
+          <a:prstGeom prst="rect">
+            <a:avLst/>
+          </a:prstGeom>
+          <a:noFill/>
+        </p:spPr>
+        <p:txBody>
+          <a:bodyPr wrap="square" rtlCol="0">
+            <a:spAutoFit/>
+          </a:bodyPr>
+          <a:lstStyle/>
+          <a:p>
+            <a:r>
+              <a:rPr lang="ru-RU" dirty="0" smtClean="0"/>
+              <a:t>Донской политехнический колледж</a:t>
+            </a:r>
+            <a:endParaRPr lang="ru-RU" dirty="0"/>
+          </a:p>
+        </p:txBody>
+      </p:sp>
     </p:spTree>
     <p:extLst>
       <p:ext uri="{BB962C8B-B14F-4D97-AF65-F5344CB8AC3E}">
         <p14:creationId xmlns:p14="http://schemas.microsoft.com/office/powerpoint/2010/main" val="783880869"/>
+      </p:ext>
+    </p:extLst>
+  </p:cSld>
+  <p:clrMapOvr>
+    <a:masterClrMapping/>
+  </p:clrMapOvr>
+</p:sld>
+</file>
+
+<file path=ppt/slides/slide10.xml><?xml version="1.0" encoding="utf-8"?>
+<p:sld xmlns:a="http://schemas.openxmlformats.org/drawingml/2006/main" xmlns:r="http://schemas.openxmlformats.org/officeDocument/2006/relationships" xmlns:p="http://schemas.openxmlformats.org/presentationml/2006/main">
+  <p:cSld>
+    <p:spTree>
+      <p:nvGrpSpPr>
+        <p:cNvPr id="1" name=""/>
+        <p:cNvGrpSpPr/>
+        <p:nvPr/>
+      </p:nvGrpSpPr>
+      <p:grpSpPr>
+        <a:xfrm>
+          <a:off x="0" y="0"/>
+          <a:ext cx="0" cy="0"/>
+          <a:chOff x="0" y="0"/>
+          <a:chExt cx="0" cy="0"/>
+        </a:xfrm>
+      </p:grpSpPr>
+      <p:sp>
+        <p:nvSpPr>
+          <p:cNvPr id="2" name="Заголовок 1"/>
+          <p:cNvSpPr>
+            <a:spLocks noGrp="1"/>
+          </p:cNvSpPr>
+          <p:nvPr>
+            <p:ph type="title"/>
+          </p:nvPr>
+        </p:nvSpPr>
+        <p:spPr/>
+        <p:txBody>
+          <a:bodyPr>
+            <a:normAutofit/>
+          </a:bodyPr>
+          <a:lstStyle/>
+          <a:p>
+            <a:r>
+              <a:rPr lang="ru-RU" sz="2400" b="0" dirty="0"/>
+              <a:t>По окончанию курсовой работы можно сказать, что были изучены и закреплены следующие задачи</a:t>
+            </a:r>
+          </a:p>
+        </p:txBody>
+      </p:sp>
+      <p:sp>
+        <p:nvSpPr>
+          <p:cNvPr id="3" name="Объект 2"/>
+          <p:cNvSpPr>
+            <a:spLocks noGrp="1"/>
+          </p:cNvSpPr>
+          <p:nvPr>
+            <p:ph idx="1"/>
+          </p:nvPr>
+        </p:nvSpPr>
+        <p:spPr/>
+        <p:txBody>
+          <a:bodyPr>
+            <a:normAutofit/>
+          </a:bodyPr>
+          <a:lstStyle/>
+          <a:p>
+            <a:pPr>
+              <a:buFont typeface="Wingdings" panose="05000000000000000000" pitchFamily="2" charset="2"/>
+              <a:buChar char="Ø"/>
+            </a:pPr>
+            <a:r>
+              <a:rPr lang="ru-RU" sz="1800" dirty="0"/>
+              <a:t>Ставить задачу и разрабатывать алгоритм её решения;</a:t>
+            </a:r>
+          </a:p>
+          <a:p>
+            <a:pPr>
+              <a:buFont typeface="Wingdings" panose="05000000000000000000" pitchFamily="2" charset="2"/>
+              <a:buChar char="Ø"/>
+            </a:pPr>
+            <a:r>
+              <a:rPr lang="ru-RU" sz="1800" dirty="0"/>
+              <a:t>Использовать прикладные системы программирования;</a:t>
+            </a:r>
+          </a:p>
+          <a:p>
+            <a:pPr>
+              <a:buFont typeface="Wingdings" panose="05000000000000000000" pitchFamily="2" charset="2"/>
+              <a:buChar char="Ø"/>
+            </a:pPr>
+            <a:r>
+              <a:rPr lang="ru-RU" sz="1800" dirty="0"/>
+              <a:t>Разрабатывать основные программные документы;</a:t>
+            </a:r>
+          </a:p>
+          <a:p>
+            <a:pPr>
+              <a:buFont typeface="Wingdings" panose="05000000000000000000" pitchFamily="2" charset="2"/>
+              <a:buChar char="Ø"/>
+            </a:pPr>
+            <a:r>
+              <a:rPr lang="ru-RU" sz="1800" dirty="0"/>
+              <a:t>Работать с современными системами программирования, включая объектно-ориентированные, языками программирования, навыками разработки и отладки программ не менее, чем на одном из алгоритмических процедурных языков программирования высокого уровня, методами и средствами разработки и оформления технической </a:t>
+            </a:r>
+            <a:r>
+              <a:rPr lang="ru-RU" sz="1800" dirty="0" smtClean="0"/>
+              <a:t>документации</a:t>
+            </a:r>
+            <a:endParaRPr lang="ru-RU" sz="1800" dirty="0"/>
+          </a:p>
+        </p:txBody>
+      </p:sp>
+    </p:spTree>
+    <p:extLst>
+      <p:ext uri="{BB962C8B-B14F-4D97-AF65-F5344CB8AC3E}">
+        <p14:creationId xmlns:p14="http://schemas.microsoft.com/office/powerpoint/2010/main" val="1405238108"/>
+      </p:ext>
+    </p:extLst>
+  </p:cSld>
+  <p:clrMapOvr>
+    <a:masterClrMapping/>
+  </p:clrMapOvr>
+</p:sld>
+</file>
+
+<file path=ppt/slides/slide11.xml><?xml version="1.0" encoding="utf-8"?>
+<p:sld xmlns:a="http://schemas.openxmlformats.org/drawingml/2006/main" xmlns:r="http://schemas.openxmlformats.org/officeDocument/2006/relationships" xmlns:p="http://schemas.openxmlformats.org/presentationml/2006/main">
+  <p:cSld>
+    <p:spTree>
+      <p:nvGrpSpPr>
+        <p:cNvPr id="1" name=""/>
+        <p:cNvGrpSpPr/>
+        <p:nvPr/>
+      </p:nvGrpSpPr>
+      <p:grpSpPr>
+        <a:xfrm>
+          <a:off x="0" y="0"/>
+          <a:ext cx="0" cy="0"/>
+          <a:chOff x="0" y="0"/>
+          <a:chExt cx="0" cy="0"/>
+        </a:xfrm>
+      </p:grpSpPr>
+      <p:sp>
+        <p:nvSpPr>
+          <p:cNvPr id="2" name="Заголовок 1"/>
+          <p:cNvSpPr>
+            <a:spLocks noGrp="1"/>
+          </p:cNvSpPr>
+          <p:nvPr>
+            <p:ph type="title"/>
+          </p:nvPr>
+        </p:nvSpPr>
+        <p:spPr>
+          <a:xfrm>
+            <a:off x="889732" y="2481073"/>
+            <a:ext cx="10353761" cy="1326321"/>
+          </a:xfrm>
+        </p:spPr>
+        <p:txBody>
+          <a:bodyPr>
+            <a:normAutofit/>
+          </a:bodyPr>
+          <a:lstStyle/>
+          <a:p>
+            <a:r>
+              <a:rPr lang="ru-RU" sz="5400" dirty="0" smtClean="0"/>
+              <a:t>СПАСИБО за внимание!</a:t>
+            </a:r>
+            <a:endParaRPr lang="ru-RU" sz="5400" dirty="0"/>
+          </a:p>
+        </p:txBody>
+      </p:sp>
+    </p:spTree>
+    <p:extLst>
+      <p:ext uri="{BB962C8B-B14F-4D97-AF65-F5344CB8AC3E}">
+        <p14:creationId xmlns:p14="http://schemas.microsoft.com/office/powerpoint/2010/main" val="3493644270"/>
       </p:ext>
     </p:extLst>
   </p:cSld>
@@ -5826,51 +6065,216 @@
         </p:nvSpPr>
         <p:spPr>
           <a:xfrm>
-            <a:off x="913796" y="0"/>
-            <a:ext cx="10353761" cy="1326321"/>
-          </a:xfrm>
-        </p:spPr>
-        <p:txBody>
-          <a:bodyPr/>
-          <a:lstStyle/>
-          <a:p>
+            <a:off x="665747" y="1082842"/>
+            <a:ext cx="10449409" cy="842211"/>
+          </a:xfrm>
+        </p:spPr>
+        <p:txBody>
+          <a:bodyPr>
+            <a:normAutofit fontScale="90000"/>
+          </a:bodyPr>
+          <a:lstStyle/>
+          <a:p>
+            <a:r>
+              <a:rPr lang="ru-RU" sz="1600" b="0" dirty="0"/>
+              <a:t>Целью исследования, проводимого в рамках настоящей курсовой работы, является разработка и реализация на языке высокого уровня </a:t>
+            </a:r>
+            <a:r>
+              <a:rPr lang="ru-RU" sz="1600" dirty="0"/>
+              <a:t>С# </a:t>
+            </a:r>
+            <a:r>
+              <a:rPr lang="ru-RU" sz="1600" dirty="0" err="1"/>
+              <a:t>desktop</a:t>
+            </a:r>
+            <a:r>
+              <a:rPr lang="ru-RU" sz="1600" b="0" dirty="0"/>
+              <a:t>-приложения для решения алгоритмических задач, представленных в задании курсовой работы. </a:t>
+            </a:r>
             <a:r>
               <a:rPr lang="ru-RU" dirty="0"/>
-              <a:t>Страница выбора заданий</a:t>
-            </a:r>
-          </a:p>
-        </p:txBody>
-      </p:sp>
-      <p:pic>
-        <p:nvPicPr>
-          <p:cNvPr id="4" name="Объект 3"/>
-          <p:cNvPicPr>
-            <a:picLocks noGrp="1" noChangeAspect="1"/>
-          </p:cNvPicPr>
+              <a:t/>
+            </a:r>
+            <a:br>
+              <a:rPr lang="ru-RU" dirty="0"/>
+            </a:br>
+            <a:endParaRPr lang="ru-RU" dirty="0"/>
+          </a:p>
+        </p:txBody>
+      </p:sp>
+      <p:sp>
+        <p:nvSpPr>
+          <p:cNvPr id="3" name="Объект 2"/>
+          <p:cNvSpPr>
+            <a:spLocks noGrp="1"/>
+          </p:cNvSpPr>
           <p:nvPr>
             <p:ph idx="1"/>
           </p:nvPr>
-        </p:nvPicPr>
-        <p:blipFill>
-          <a:blip r:embed="rId2"/>
-          <a:stretch>
-            <a:fillRect/>
-          </a:stretch>
-        </p:blipFill>
-        <p:spPr>
-          <a:xfrm>
-            <a:off x="913796" y="1326321"/>
-            <a:ext cx="10353760" cy="4922079"/>
+        </p:nvSpPr>
+        <p:spPr>
+          <a:xfrm>
+            <a:off x="5389543" y="2007832"/>
+            <a:ext cx="5888057" cy="1088294"/>
+          </a:xfrm>
+        </p:spPr>
+        <p:txBody>
+          <a:bodyPr/>
+          <a:lstStyle/>
+          <a:p>
+            <a:pPr marL="0" indent="0">
+              <a:buNone/>
+            </a:pPr>
+            <a:r>
+              <a:rPr lang="ru-RU" sz="1400" dirty="0">
+                <a:latin typeface="+mj-lt"/>
+              </a:rPr>
+              <a:t>Объект исследования настоящей курсовой работы являются методы и технологии разработки </a:t>
+            </a:r>
+            <a:r>
+              <a:rPr lang="en-US" sz="1400" b="1" dirty="0">
+                <a:latin typeface="+mj-lt"/>
+              </a:rPr>
+              <a:t>desktop</a:t>
+            </a:r>
+            <a:r>
+              <a:rPr lang="en-US" sz="1400" dirty="0">
+                <a:latin typeface="+mj-lt"/>
+              </a:rPr>
+              <a:t>-</a:t>
+            </a:r>
+            <a:r>
+              <a:rPr lang="ru-RU" sz="1400" dirty="0">
+                <a:latin typeface="+mj-lt"/>
+              </a:rPr>
+              <a:t>приложений  </a:t>
+            </a:r>
+          </a:p>
+          <a:p>
+            <a:endParaRPr lang="ru-RU" dirty="0"/>
+          </a:p>
+        </p:txBody>
+      </p:sp>
+      <p:sp>
+        <p:nvSpPr>
+          <p:cNvPr id="4" name="TextBox 3"/>
+          <p:cNvSpPr txBox="1"/>
+          <p:nvPr/>
+        </p:nvSpPr>
+        <p:spPr>
+          <a:xfrm>
+            <a:off x="537411" y="3096126"/>
+            <a:ext cx="8398043" cy="523220"/>
           </a:xfrm>
           <a:prstGeom prst="rect">
             <a:avLst/>
           </a:prstGeom>
-        </p:spPr>
-      </p:pic>
+          <a:noFill/>
+        </p:spPr>
+        <p:txBody>
+          <a:bodyPr wrap="square" rtlCol="0">
+            <a:spAutoFit/>
+          </a:bodyPr>
+          <a:lstStyle/>
+          <a:p>
+            <a:r>
+              <a:rPr lang="ru-RU" sz="1400" dirty="0">
+                <a:latin typeface="+mj-lt"/>
+              </a:rPr>
+              <a:t>Предмет исследования настоящей курсовой работы являются методы, алгоритмы и приёмы разработки </a:t>
+            </a:r>
+            <a:r>
+              <a:rPr lang="en-US" sz="1400" b="1" dirty="0">
+                <a:latin typeface="+mj-lt"/>
+              </a:rPr>
+              <a:t>desktop</a:t>
+            </a:r>
+            <a:r>
+              <a:rPr lang="en-US" sz="1400" dirty="0">
+                <a:latin typeface="+mj-lt"/>
+              </a:rPr>
+              <a:t>-</a:t>
+            </a:r>
+            <a:r>
+              <a:rPr lang="ru-RU" sz="1400" dirty="0">
+                <a:latin typeface="+mj-lt"/>
+              </a:rPr>
+              <a:t>приложений обработки двумерных массивов, файлов, строк</a:t>
+            </a:r>
+            <a:endParaRPr lang="ru-RU" sz="1400" dirty="0">
+              <a:latin typeface="+mj-lt"/>
+            </a:endParaRPr>
+          </a:p>
+        </p:txBody>
+      </p:sp>
+      <p:sp>
+        <p:nvSpPr>
+          <p:cNvPr id="5" name="TextBox 4"/>
+          <p:cNvSpPr txBox="1"/>
+          <p:nvPr/>
+        </p:nvSpPr>
+        <p:spPr>
+          <a:xfrm>
+            <a:off x="1235241" y="4267199"/>
+            <a:ext cx="8831179" cy="523220"/>
+          </a:xfrm>
+          <a:prstGeom prst="rect">
+            <a:avLst/>
+          </a:prstGeom>
+          <a:noFill/>
+        </p:spPr>
+        <p:txBody>
+          <a:bodyPr wrap="square" rtlCol="0">
+            <a:spAutoFit/>
+          </a:bodyPr>
+          <a:lstStyle/>
+          <a:p>
+            <a:r>
+              <a:rPr lang="ru-RU" sz="1400" dirty="0">
+                <a:latin typeface="+mj-lt"/>
+              </a:rPr>
+              <a:t>Информационной базой исследования является учебная литература по программированию, техническая документация по языку </a:t>
+            </a:r>
+            <a:r>
+              <a:rPr lang="ru-RU" sz="1400" b="1" dirty="0">
+                <a:latin typeface="+mj-lt"/>
+              </a:rPr>
+              <a:t>С</a:t>
+            </a:r>
+            <a:r>
+              <a:rPr lang="en-US" sz="1400" b="1" dirty="0">
+                <a:latin typeface="+mj-lt"/>
+              </a:rPr>
+              <a:t>#</a:t>
+            </a:r>
+            <a:r>
+              <a:rPr lang="ru-RU" sz="1400" b="1" dirty="0">
+                <a:latin typeface="+mj-lt"/>
+              </a:rPr>
+              <a:t> </a:t>
+            </a:r>
+            <a:r>
+              <a:rPr lang="ru-RU" sz="1400" dirty="0">
+                <a:latin typeface="+mj-lt"/>
+              </a:rPr>
+              <a:t>инструментальной среды </a:t>
+            </a:r>
+            <a:r>
+              <a:rPr lang="en-US" sz="1400" b="1" dirty="0">
+                <a:latin typeface="+mj-lt"/>
+              </a:rPr>
+              <a:t>MS Visual Studio 2022</a:t>
+            </a:r>
+            <a:endParaRPr lang="ru-RU" sz="1400" b="1" dirty="0">
+              <a:latin typeface="+mj-lt"/>
+            </a:endParaRPr>
+          </a:p>
+        </p:txBody>
+      </p:sp>
     </p:spTree>
     <p:extLst>
       <p:ext uri="{BB962C8B-B14F-4D97-AF65-F5344CB8AC3E}">
-        <p14:creationId xmlns:p14="http://schemas.microsoft.com/office/powerpoint/2010/main" val="3474588653"/>
+        <p14:creationId xmlns:p14="http://schemas.microsoft.com/office/powerpoint/2010/main" val="331433291"/>
       </p:ext>
     </p:extLst>
   </p:cSld>
@@ -5909,24 +6313,56 @@
         </p:nvSpPr>
         <p:spPr>
           <a:xfrm>
-            <a:off x="913793" y="58455"/>
-            <a:ext cx="10353761" cy="1326321"/>
-          </a:xfrm>
-        </p:spPr>
-        <p:txBody>
-          <a:bodyPr/>
-          <a:lstStyle/>
-          <a:p>
-            <a:r>
-              <a:rPr lang="ru-RU" dirty="0"/>
-              <a:t>Задание 1</a:t>
-            </a:r>
+            <a:off x="5991121" y="569495"/>
+            <a:ext cx="4692921" cy="6146976"/>
+          </a:xfrm>
+        </p:spPr>
+        <p:txBody>
+          <a:bodyPr>
+            <a:normAutofit/>
+          </a:bodyPr>
+          <a:lstStyle/>
+          <a:p>
+            <a:pPr algn="l"/>
+            <a:r>
+              <a:rPr lang="ru-RU" sz="2000" b="0" dirty="0">
+                <a:effectLst/>
+                <a:latin typeface="Times New Roman" panose="02020603050405020304" pitchFamily="18" charset="0"/>
+                <a:ea typeface="Calibri" panose="020F0502020204030204" pitchFamily="34" charset="0"/>
+                <a:cs typeface="Times New Roman" panose="02020603050405020304" pitchFamily="18" charset="0"/>
+              </a:rPr>
+              <a:t>Классы и структуры являются двумя основными конструкциями системы общих типов CTS, используемой на платформе .NET. В C# 9 добавлены записи, которые представляют собой тип класса. Оба они являются структурами данных, которые инкапсулируют набор данных и поведений в одной логической сущности. Данные и поведение являются элементами класса, структуры или записи. К ним относятся методы, свойства, события и другие элементы.</a:t>
+            </a:r>
+            <a:r>
+              <a:rPr lang="ru-RU" sz="3600" b="0" dirty="0">
+                <a:effectLst/>
+                <a:latin typeface="Calibri" panose="020F0502020204030204" pitchFamily="34" charset="0"/>
+                <a:ea typeface="Calibri" panose="020F0502020204030204" pitchFamily="34" charset="0"/>
+                <a:cs typeface="Times New Roman" panose="02020603050405020304" pitchFamily="18" charset="0"/>
+              </a:rPr>
+              <a:t/>
+            </a:r>
+            <a:br>
+              <a:rPr lang="ru-RU" sz="3600" b="0" dirty="0">
+                <a:effectLst/>
+                <a:latin typeface="Calibri" panose="020F0502020204030204" pitchFamily="34" charset="0"/>
+                <a:ea typeface="Calibri" panose="020F0502020204030204" pitchFamily="34" charset="0"/>
+                <a:cs typeface="Times New Roman" panose="02020603050405020304" pitchFamily="18" charset="0"/>
+              </a:rPr>
+            </a:br>
+            <a:endParaRPr lang="ru-RU" b="0" dirty="0"/>
           </a:p>
         </p:txBody>
       </p:sp>
       <p:pic>
         <p:nvPicPr>
-          <p:cNvPr id="4" name="Объект 3"/>
+          <p:cNvPr id="4" name="Объект 3">
+            <a:extLst>
+              <a:ext uri="{FF2B5EF4-FFF2-40B4-BE49-F238E27FC236}">
+                <a16:creationId xmlns:a16="http://schemas.microsoft.com/office/drawing/2014/main" id="{1A481BD6-C46D-A17D-A9B1-08A72B453F4D}"/>
+              </a:ext>
+            </a:extLst>
+          </p:cNvPr>
           <p:cNvPicPr>
             <a:picLocks noGrp="1" noChangeAspect="1"/>
           </p:cNvPicPr>
@@ -5935,25 +6371,36 @@
           </p:nvPr>
         </p:nvPicPr>
         <p:blipFill>
-          <a:blip r:embed="rId2"/>
+          <a:blip r:embed="rId2">
+            <a:extLst>
+              <a:ext uri="{28A0092B-C50C-407E-A947-70E740481C1C}">
+                <a14:useLocalDpi xmlns:a14="http://schemas.microsoft.com/office/drawing/2010/main" val="0"/>
+              </a:ext>
+            </a:extLst>
+          </a:blip>
+          <a:srcRect/>
           <a:stretch>
             <a:fillRect/>
           </a:stretch>
         </p:blipFill>
-        <p:spPr>
-          <a:xfrm>
-            <a:off x="913792" y="1384776"/>
-            <a:ext cx="10353761" cy="4922079"/>
+        <p:spPr bwMode="auto">
+          <a:xfrm>
+            <a:off x="721942" y="1485901"/>
+            <a:ext cx="4642591" cy="3695700"/>
           </a:xfrm>
           <a:prstGeom prst="rect">
             <a:avLst/>
           </a:prstGeom>
+          <a:noFill/>
+          <a:ln>
+            <a:noFill/>
+          </a:ln>
         </p:spPr>
       </p:pic>
     </p:spTree>
     <p:extLst>
       <p:ext uri="{BB962C8B-B14F-4D97-AF65-F5344CB8AC3E}">
-        <p14:creationId xmlns:p14="http://schemas.microsoft.com/office/powerpoint/2010/main" val="3769177398"/>
+        <p14:creationId xmlns:p14="http://schemas.microsoft.com/office/powerpoint/2010/main" val="490197297"/>
       </p:ext>
     </p:extLst>
   </p:cSld>
@@ -5992,7 +6439,7 @@
         </p:nvSpPr>
         <p:spPr>
           <a:xfrm>
-            <a:off x="914356" y="0"/>
+            <a:off x="913796" y="0"/>
             <a:ext cx="10353761" cy="1326321"/>
           </a:xfrm>
         </p:spPr>
@@ -6002,14 +6449,14 @@
           <a:p>
             <a:r>
               <a:rPr lang="ru-RU" dirty="0"/>
-              <a:t>Задание 2</a:t>
+              <a:t>Страница выбора заданий</a:t>
             </a:r>
           </a:p>
         </p:txBody>
       </p:sp>
       <p:pic>
         <p:nvPicPr>
-          <p:cNvPr id="7" name="Объект 6"/>
+          <p:cNvPr id="4" name="Объект 3"/>
           <p:cNvPicPr>
             <a:picLocks noGrp="1" noChangeAspect="1"/>
           </p:cNvPicPr>
@@ -6025,8 +6472,8 @@
         </p:blipFill>
         <p:spPr>
           <a:xfrm>
-            <a:off x="914356" y="1326321"/>
-            <a:ext cx="10353761" cy="5049427"/>
+            <a:off x="913796" y="1326321"/>
+            <a:ext cx="10353760" cy="4922079"/>
           </a:xfrm>
           <a:prstGeom prst="rect">
             <a:avLst/>
@@ -6036,7 +6483,7 @@
     </p:spTree>
     <p:extLst>
       <p:ext uri="{BB962C8B-B14F-4D97-AF65-F5344CB8AC3E}">
-        <p14:creationId xmlns:p14="http://schemas.microsoft.com/office/powerpoint/2010/main" val="1003745627"/>
+        <p14:creationId xmlns:p14="http://schemas.microsoft.com/office/powerpoint/2010/main" val="3474588653"/>
       </p:ext>
     </p:extLst>
   </p:cSld>
@@ -6075,7 +6522,7 @@
         </p:nvSpPr>
         <p:spPr>
           <a:xfrm>
-            <a:off x="913794" y="0"/>
+            <a:off x="913793" y="58455"/>
             <a:ext cx="10353761" cy="1326321"/>
           </a:xfrm>
         </p:spPr>
@@ -6085,7 +6532,7 @@
           <a:p>
             <a:r>
               <a:rPr lang="ru-RU" dirty="0"/>
-              <a:t>Задание 3</a:t>
+              <a:t>Задание 1</a:t>
             </a:r>
           </a:p>
         </p:txBody>
@@ -6108,7 +6555,7 @@
         </p:blipFill>
         <p:spPr>
           <a:xfrm>
-            <a:off x="913794" y="1326321"/>
+            <a:off x="913792" y="1384776"/>
             <a:ext cx="10353761" cy="4922079"/>
           </a:xfrm>
           <a:prstGeom prst="rect">
@@ -6119,7 +6566,7 @@
     </p:spTree>
     <p:extLst>
       <p:ext uri="{BB962C8B-B14F-4D97-AF65-F5344CB8AC3E}">
-        <p14:creationId xmlns:p14="http://schemas.microsoft.com/office/powerpoint/2010/main" val="3813217927"/>
+        <p14:creationId xmlns:p14="http://schemas.microsoft.com/office/powerpoint/2010/main" val="3769177398"/>
       </p:ext>
     </p:extLst>
   </p:cSld>
@@ -6158,7 +6605,7 @@
         </p:nvSpPr>
         <p:spPr>
           <a:xfrm>
-            <a:off x="913794" y="0"/>
+            <a:off x="914356" y="0"/>
             <a:ext cx="10353761" cy="1326321"/>
           </a:xfrm>
         </p:spPr>
@@ -6168,14 +6615,14 @@
           <a:p>
             <a:r>
               <a:rPr lang="ru-RU" dirty="0"/>
-              <a:t>Задание 4</a:t>
+              <a:t>Задание 2</a:t>
             </a:r>
           </a:p>
         </p:txBody>
       </p:sp>
       <p:pic>
         <p:nvPicPr>
-          <p:cNvPr id="4" name="Объект 3"/>
+          <p:cNvPr id="7" name="Объект 6"/>
           <p:cNvPicPr>
             <a:picLocks noGrp="1" noChangeAspect="1"/>
           </p:cNvPicPr>
@@ -6191,8 +6638,8 @@
         </p:blipFill>
         <p:spPr>
           <a:xfrm>
-            <a:off x="913794" y="1326321"/>
-            <a:ext cx="10353761" cy="4922079"/>
+            <a:off x="914356" y="1326321"/>
+            <a:ext cx="10353761" cy="5049427"/>
           </a:xfrm>
           <a:prstGeom prst="rect">
             <a:avLst/>
@@ -6202,7 +6649,7 @@
     </p:spTree>
     <p:extLst>
       <p:ext uri="{BB962C8B-B14F-4D97-AF65-F5344CB8AC3E}">
-        <p14:creationId xmlns:p14="http://schemas.microsoft.com/office/powerpoint/2010/main" val="2500482901"/>
+        <p14:creationId xmlns:p14="http://schemas.microsoft.com/office/powerpoint/2010/main" val="1003745627"/>
       </p:ext>
     </p:extLst>
   </p:cSld>
@@ -6241,6 +6688,172 @@
         </p:nvSpPr>
         <p:spPr>
           <a:xfrm>
+            <a:off x="913794" y="0"/>
+            <a:ext cx="10353761" cy="1326321"/>
+          </a:xfrm>
+        </p:spPr>
+        <p:txBody>
+          <a:bodyPr/>
+          <a:lstStyle/>
+          <a:p>
+            <a:r>
+              <a:rPr lang="ru-RU" dirty="0"/>
+              <a:t>Задание 3</a:t>
+            </a:r>
+          </a:p>
+        </p:txBody>
+      </p:sp>
+      <p:pic>
+        <p:nvPicPr>
+          <p:cNvPr id="4" name="Объект 3"/>
+          <p:cNvPicPr>
+            <a:picLocks noGrp="1" noChangeAspect="1"/>
+          </p:cNvPicPr>
+          <p:nvPr>
+            <p:ph idx="1"/>
+          </p:nvPr>
+        </p:nvPicPr>
+        <p:blipFill>
+          <a:blip r:embed="rId2"/>
+          <a:stretch>
+            <a:fillRect/>
+          </a:stretch>
+        </p:blipFill>
+        <p:spPr>
+          <a:xfrm>
+            <a:off x="913794" y="1326321"/>
+            <a:ext cx="10353761" cy="4922079"/>
+          </a:xfrm>
+          <a:prstGeom prst="rect">
+            <a:avLst/>
+          </a:prstGeom>
+        </p:spPr>
+      </p:pic>
+    </p:spTree>
+    <p:extLst>
+      <p:ext uri="{BB962C8B-B14F-4D97-AF65-F5344CB8AC3E}">
+        <p14:creationId xmlns:p14="http://schemas.microsoft.com/office/powerpoint/2010/main" val="3813217927"/>
+      </p:ext>
+    </p:extLst>
+  </p:cSld>
+  <p:clrMapOvr>
+    <a:masterClrMapping/>
+  </p:clrMapOvr>
+</p:sld>
+</file>
+
+<file path=ppt/slides/slide8.xml><?xml version="1.0" encoding="utf-8"?>
+<p:sld xmlns:a="http://schemas.openxmlformats.org/drawingml/2006/main" xmlns:r="http://schemas.openxmlformats.org/officeDocument/2006/relationships" xmlns:p="http://schemas.openxmlformats.org/presentationml/2006/main">
+  <p:cSld>
+    <p:spTree>
+      <p:nvGrpSpPr>
+        <p:cNvPr id="1" name=""/>
+        <p:cNvGrpSpPr/>
+        <p:nvPr/>
+      </p:nvGrpSpPr>
+      <p:grpSpPr>
+        <a:xfrm>
+          <a:off x="0" y="0"/>
+          <a:ext cx="0" cy="0"/>
+          <a:chOff x="0" y="0"/>
+          <a:chExt cx="0" cy="0"/>
+        </a:xfrm>
+      </p:grpSpPr>
+      <p:sp>
+        <p:nvSpPr>
+          <p:cNvPr id="2" name="Заголовок 1"/>
+          <p:cNvSpPr>
+            <a:spLocks noGrp="1"/>
+          </p:cNvSpPr>
+          <p:nvPr>
+            <p:ph type="title"/>
+          </p:nvPr>
+        </p:nvSpPr>
+        <p:spPr>
+          <a:xfrm>
+            <a:off x="913794" y="0"/>
+            <a:ext cx="10353761" cy="1326321"/>
+          </a:xfrm>
+        </p:spPr>
+        <p:txBody>
+          <a:bodyPr/>
+          <a:lstStyle/>
+          <a:p>
+            <a:r>
+              <a:rPr lang="ru-RU" dirty="0"/>
+              <a:t>Задание 4</a:t>
+            </a:r>
+          </a:p>
+        </p:txBody>
+      </p:sp>
+      <p:pic>
+        <p:nvPicPr>
+          <p:cNvPr id="4" name="Объект 3"/>
+          <p:cNvPicPr>
+            <a:picLocks noGrp="1" noChangeAspect="1"/>
+          </p:cNvPicPr>
+          <p:nvPr>
+            <p:ph idx="1"/>
+          </p:nvPr>
+        </p:nvPicPr>
+        <p:blipFill>
+          <a:blip r:embed="rId2"/>
+          <a:stretch>
+            <a:fillRect/>
+          </a:stretch>
+        </p:blipFill>
+        <p:spPr>
+          <a:xfrm>
+            <a:off x="913794" y="1326321"/>
+            <a:ext cx="10353761" cy="4922079"/>
+          </a:xfrm>
+          <a:prstGeom prst="rect">
+            <a:avLst/>
+          </a:prstGeom>
+        </p:spPr>
+      </p:pic>
+    </p:spTree>
+    <p:extLst>
+      <p:ext uri="{BB962C8B-B14F-4D97-AF65-F5344CB8AC3E}">
+        <p14:creationId xmlns:p14="http://schemas.microsoft.com/office/powerpoint/2010/main" val="2500482901"/>
+      </p:ext>
+    </p:extLst>
+  </p:cSld>
+  <p:clrMapOvr>
+    <a:masterClrMapping/>
+  </p:clrMapOvr>
+</p:sld>
+</file>
+
+<file path=ppt/slides/slide9.xml><?xml version="1.0" encoding="utf-8"?>
+<p:sld xmlns:a="http://schemas.openxmlformats.org/drawingml/2006/main" xmlns:r="http://schemas.openxmlformats.org/officeDocument/2006/relationships" xmlns:p="http://schemas.openxmlformats.org/presentationml/2006/main">
+  <p:cSld>
+    <p:spTree>
+      <p:nvGrpSpPr>
+        <p:cNvPr id="1" name=""/>
+        <p:cNvGrpSpPr/>
+        <p:nvPr/>
+      </p:nvGrpSpPr>
+      <p:grpSpPr>
+        <a:xfrm>
+          <a:off x="0" y="0"/>
+          <a:ext cx="0" cy="0"/>
+          <a:chOff x="0" y="0"/>
+          <a:chExt cx="0" cy="0"/>
+        </a:xfrm>
+      </p:grpSpPr>
+      <p:sp>
+        <p:nvSpPr>
+          <p:cNvPr id="2" name="Заголовок 1"/>
+          <p:cNvSpPr>
+            <a:spLocks noGrp="1"/>
+          </p:cNvSpPr>
+          <p:nvPr>
+            <p:ph type="title"/>
+          </p:nvPr>
+        </p:nvSpPr>
+        <p:spPr>
+          <a:xfrm>
             <a:off x="913796" y="0"/>
             <a:ext cx="10353761" cy="1326321"/>
           </a:xfrm>
@@ -6298,7 +6911,7 @@
 <file path=ppt/theme/theme1.xml><?xml version="1.0" encoding="utf-8"?>
 <a:theme xmlns:a="http://schemas.openxmlformats.org/drawingml/2006/main" name="Damask">
   <a:themeElements>
-    <a:clrScheme name="Damask">
+    <a:clrScheme name="Office 2007-2010">
       <a:dk1>
         <a:sysClr val="windowText" lastClr="000000"/>
       </a:dk1>
@@ -6306,34 +6919,34 @@
         <a:sysClr val="window" lastClr="FFFFFF"/>
       </a:lt1>
       <a:dk2>
-        <a:srgbClr val="2A5B7F"/>
+        <a:srgbClr val="1F497D"/>
       </a:dk2>
       <a:lt2>
-        <a:srgbClr val="ABDAFC"/>
+        <a:srgbClr val="EEECE1"/>
       </a:lt2>
       <a:accent1>
-        <a:srgbClr val="9EC544"/>
+        <a:srgbClr val="4F81BD"/>
       </a:accent1>
       <a:accent2>
-        <a:srgbClr val="50BEA3"/>
+        <a:srgbClr val="C0504D"/>
       </a:accent2>
       <a:accent3>
-        <a:srgbClr val="4A9CCC"/>
+        <a:srgbClr val="9BBB59"/>
       </a:accent3>
       <a:accent4>
-        <a:srgbClr val="9A66CA"/>
+        <a:srgbClr val="8064A2"/>
       </a:accent4>
       <a:accent5>
-        <a:srgbClr val="C54F71"/>
+        <a:srgbClr val="4BACC6"/>
       </a:accent5>
       <a:accent6>
-        <a:srgbClr val="DE9C3C"/>
+        <a:srgbClr val="F79646"/>
       </a:accent6>
       <a:hlink>
-        <a:srgbClr val="6BA9DA"/>
+        <a:srgbClr val="0000FF"/>
       </a:hlink>
       <a:folHlink>
-        <a:srgbClr val="A0BCD3"/>
+        <a:srgbClr val="800080"/>
       </a:folHlink>
     </a:clrScheme>
     <a:fontScheme name="Damask">
